--- a/Azure-Service-Bus_presentation.pptx
+++ b/Azure-Service-Bus_presentation.pptx
@@ -290,7 +290,7 @@
           <a:p>
             <a:fld id="{6A875F73-1BD4-4995-AED2-00956A5A807B}" type="datetimeFigureOut">
               <a:rPr lang="en-IN" smtClean="0"/>
-              <a:t>16-08-2023</a:t>
+              <a:t>28-08-2023</a:t>
             </a:fld>
             <a:endParaRPr lang="en-IN"/>
           </a:p>
@@ -518,7 +518,7 @@
           <a:p>
             <a:fld id="{6A875F73-1BD4-4995-AED2-00956A5A807B}" type="datetimeFigureOut">
               <a:rPr lang="en-IN" smtClean="0"/>
-              <a:t>16-08-2023</a:t>
+              <a:t>28-08-2023</a:t>
             </a:fld>
             <a:endParaRPr lang="en-IN"/>
           </a:p>
@@ -698,7 +698,7 @@
           <a:p>
             <a:fld id="{6A875F73-1BD4-4995-AED2-00956A5A807B}" type="datetimeFigureOut">
               <a:rPr lang="en-IN" smtClean="0"/>
-              <a:t>16-08-2023</a:t>
+              <a:t>28-08-2023</a:t>
             </a:fld>
             <a:endParaRPr lang="en-IN"/>
           </a:p>
@@ -873,7 +873,7 @@
           <a:p>
             <a:fld id="{6A875F73-1BD4-4995-AED2-00956A5A807B}" type="datetimeFigureOut">
               <a:rPr lang="en-IN" smtClean="0"/>
-              <a:t>16-08-2023</a:t>
+              <a:t>28-08-2023</a:t>
             </a:fld>
             <a:endParaRPr lang="en-IN"/>
           </a:p>
@@ -1043,7 +1043,7 @@
           <a:p>
             <a:fld id="{6A875F73-1BD4-4995-AED2-00956A5A807B}" type="datetimeFigureOut">
               <a:rPr lang="en-IN" smtClean="0"/>
-              <a:t>16-08-2023</a:t>
+              <a:t>28-08-2023</a:t>
             </a:fld>
             <a:endParaRPr lang="en-IN"/>
           </a:p>
@@ -1297,7 +1297,7 @@
           <a:p>
             <a:fld id="{6A875F73-1BD4-4995-AED2-00956A5A807B}" type="datetimeFigureOut">
               <a:rPr lang="en-IN" smtClean="0"/>
-              <a:t>16-08-2023</a:t>
+              <a:t>28-08-2023</a:t>
             </a:fld>
             <a:endParaRPr lang="en-IN"/>
           </a:p>
@@ -1623,7 +1623,7 @@
           <a:p>
             <a:fld id="{6A875F73-1BD4-4995-AED2-00956A5A807B}" type="datetimeFigureOut">
               <a:rPr lang="en-IN" smtClean="0"/>
-              <a:t>16-08-2023</a:t>
+              <a:t>28-08-2023</a:t>
             </a:fld>
             <a:endParaRPr lang="en-IN"/>
           </a:p>
@@ -2074,7 +2074,7 @@
           <a:p>
             <a:fld id="{6A875F73-1BD4-4995-AED2-00956A5A807B}" type="datetimeFigureOut">
               <a:rPr lang="en-IN" smtClean="0"/>
-              <a:t>16-08-2023</a:t>
+              <a:t>28-08-2023</a:t>
             </a:fld>
             <a:endParaRPr lang="en-IN"/>
           </a:p>
@@ -2192,7 +2192,7 @@
           <a:p>
             <a:fld id="{6A875F73-1BD4-4995-AED2-00956A5A807B}" type="datetimeFigureOut">
               <a:rPr lang="en-IN" smtClean="0"/>
-              <a:t>16-08-2023</a:t>
+              <a:t>28-08-2023</a:t>
             </a:fld>
             <a:endParaRPr lang="en-IN"/>
           </a:p>
@@ -2287,7 +2287,7 @@
           <a:p>
             <a:fld id="{6A875F73-1BD4-4995-AED2-00956A5A807B}" type="datetimeFigureOut">
               <a:rPr lang="en-IN" smtClean="0"/>
-              <a:t>16-08-2023</a:t>
+              <a:t>28-08-2023</a:t>
             </a:fld>
             <a:endParaRPr lang="en-IN"/>
           </a:p>
@@ -2574,7 +2574,7 @@
           <a:p>
             <a:fld id="{6A875F73-1BD4-4995-AED2-00956A5A807B}" type="datetimeFigureOut">
               <a:rPr lang="en-IN" smtClean="0"/>
-              <a:t>16-08-2023</a:t>
+              <a:t>28-08-2023</a:t>
             </a:fld>
             <a:endParaRPr lang="en-IN"/>
           </a:p>
@@ -2896,7 +2896,7 @@
           <a:p>
             <a:fld id="{6A875F73-1BD4-4995-AED2-00956A5A807B}" type="datetimeFigureOut">
               <a:rPr lang="en-IN" smtClean="0"/>
-              <a:t>16-08-2023</a:t>
+              <a:t>28-08-2023</a:t>
             </a:fld>
             <a:endParaRPr lang="en-IN"/>
           </a:p>
@@ -3150,7 +3150,7 @@
           <a:p>
             <a:fld id="{6A875F73-1BD4-4995-AED2-00956A5A807B}" type="datetimeFigureOut">
               <a:rPr lang="en-IN" smtClean="0"/>
-              <a:t>16-08-2023</a:t>
+              <a:t>28-08-2023</a:t>
             </a:fld>
             <a:endParaRPr lang="en-IN"/>
           </a:p>
@@ -3870,12 +3870,27 @@
             <p:ph type="title"/>
           </p:nvPr>
         </p:nvSpPr>
-        <p:spPr/>
+        <p:spPr>
+          <a:xfrm>
+            <a:off x="756775" y="269966"/>
+            <a:ext cx="9692640" cy="1325562"/>
+          </a:xfrm>
+        </p:spPr>
         <p:txBody>
           <a:bodyPr/>
           <a:lstStyle/>
           <a:p>
-            <a:endParaRPr lang="en-IN"/>
+            <a:r>
+              <a:rPr lang="en-IN" sz="3200" dirty="0">
+                <a:latin typeface="Calibri" panose="020F0502020204030204" pitchFamily="34" charset="0"/>
+                <a:cs typeface="Calibri" panose="020F0502020204030204" pitchFamily="34" charset="0"/>
+              </a:rPr>
+              <a:t>References</a:t>
+            </a:r>
+            <a:endParaRPr lang="en-IN" dirty="0">
+              <a:latin typeface="Calibri" panose="020F0502020204030204" pitchFamily="34" charset="0"/>
+              <a:cs typeface="Calibri" panose="020F0502020204030204" pitchFamily="34" charset="0"/>
+            </a:endParaRPr>
           </a:p>
         </p:txBody>
       </p:sp>
@@ -3900,7 +3915,94 @@
           <a:bodyPr/>
           <a:lstStyle/>
           <a:p>
-            <a:endParaRPr lang="en-IN"/>
+            <a:pPr marL="342900" lvl="0" indent="-342900">
+              <a:lnSpc>
+                <a:spcPct val="107000"/>
+              </a:lnSpc>
+              <a:buFont typeface="Symbol" panose="05050102010706020507" pitchFamily="18" charset="2"/>
+              <a:buChar char=""/>
+            </a:pPr>
+            <a:r>
+              <a:rPr lang="en-IN" sz="1800" u="sng" kern="100" dirty="0">
+                <a:solidFill>
+                  <a:srgbClr val="0563C1"/>
+                </a:solidFill>
+                <a:effectLst/>
+                <a:latin typeface="Calibri" panose="020F0502020204030204" pitchFamily="34" charset="0"/>
+                <a:ea typeface="Calibri" panose="020F0502020204030204" pitchFamily="34" charset="0"/>
+                <a:cs typeface="Times New Roman" panose="02020603050405020304" pitchFamily="18" charset="0"/>
+                <a:hlinkClick r:id="rId2"/>
+              </a:rPr>
+              <a:t>https://learn.microsoft.com/en-us/azure/service-bus-messaging/service-bus-messaging-overview</a:t>
+            </a:r>
+            <a:endParaRPr lang="en-IN" sz="1800" kern="100" dirty="0">
+              <a:effectLst/>
+              <a:latin typeface="Calibri" panose="020F0502020204030204" pitchFamily="34" charset="0"/>
+              <a:ea typeface="Calibri" panose="020F0502020204030204" pitchFamily="34" charset="0"/>
+              <a:cs typeface="Times New Roman" panose="02020603050405020304" pitchFamily="18" charset="0"/>
+            </a:endParaRPr>
+          </a:p>
+          <a:p>
+            <a:pPr marL="342900" lvl="0" indent="-342900">
+              <a:lnSpc>
+                <a:spcPct val="107000"/>
+              </a:lnSpc>
+              <a:buFont typeface="Symbol" panose="05050102010706020507" pitchFamily="18" charset="2"/>
+              <a:buChar char=""/>
+            </a:pPr>
+            <a:r>
+              <a:rPr lang="en-IN" sz="1800" u="sng" kern="100" dirty="0">
+                <a:solidFill>
+                  <a:srgbClr val="0563C1"/>
+                </a:solidFill>
+                <a:effectLst/>
+                <a:latin typeface="Calibri" panose="020F0502020204030204" pitchFamily="34" charset="0"/>
+                <a:ea typeface="Calibri" panose="020F0502020204030204" pitchFamily="34" charset="0"/>
+                <a:cs typeface="Times New Roman" panose="02020603050405020304" pitchFamily="18" charset="0"/>
+                <a:hlinkClick r:id="rId3"/>
+              </a:rPr>
+              <a:t>https://learn.microsoft.com/en-us/azure/service-bus-messaging/service-bus-quickstart-topics-subscriptions-portal</a:t>
+            </a:r>
+            <a:endParaRPr lang="en-IN" sz="1800" kern="100" dirty="0">
+              <a:effectLst/>
+              <a:latin typeface="Calibri" panose="020F0502020204030204" pitchFamily="34" charset="0"/>
+              <a:ea typeface="Calibri" panose="020F0502020204030204" pitchFamily="34" charset="0"/>
+              <a:cs typeface="Times New Roman" panose="02020603050405020304" pitchFamily="18" charset="0"/>
+            </a:endParaRPr>
+          </a:p>
+          <a:p>
+            <a:pPr marL="342900" lvl="0" indent="-342900">
+              <a:lnSpc>
+                <a:spcPct val="107000"/>
+              </a:lnSpc>
+              <a:spcAft>
+                <a:spcPts val="800"/>
+              </a:spcAft>
+              <a:buFont typeface="Symbol" panose="05050102010706020507" pitchFamily="18" charset="2"/>
+              <a:buChar char=""/>
+            </a:pPr>
+            <a:r>
+              <a:rPr lang="en-IN" sz="1800" u="sng" kern="100" dirty="0">
+                <a:solidFill>
+                  <a:srgbClr val="0563C1"/>
+                </a:solidFill>
+                <a:effectLst/>
+                <a:latin typeface="Calibri" panose="020F0502020204030204" pitchFamily="34" charset="0"/>
+                <a:ea typeface="Calibri" panose="020F0502020204030204" pitchFamily="34" charset="0"/>
+                <a:cs typeface="Times New Roman" panose="02020603050405020304" pitchFamily="18" charset="0"/>
+                <a:hlinkClick r:id="rId3"/>
+              </a:rPr>
+              <a:t>https://learn.microsoft.com/en-us/azure/service-bus-messaging/service-bus-quickstart-topics-subscriptions-portal</a:t>
+            </a:r>
+            <a:endParaRPr lang="en-IN" sz="1800" kern="100" dirty="0">
+              <a:effectLst/>
+              <a:latin typeface="Calibri" panose="020F0502020204030204" pitchFamily="34" charset="0"/>
+              <a:ea typeface="Calibri" panose="020F0502020204030204" pitchFamily="34" charset="0"/>
+              <a:cs typeface="Times New Roman" panose="02020603050405020304" pitchFamily="18" charset="0"/>
+            </a:endParaRPr>
+          </a:p>
+          <a:p>
+            <a:endParaRPr lang="en-IN" dirty="0"/>
           </a:p>
         </p:txBody>
       </p:sp>
